--- a/introduction/ivadas.pptx
+++ b/introduction/ivadas.pptx
@@ -5,7 +5,7 @@
     <p:sldMasterId id="2147483659" r:id="rId1"/>
   </p:sldMasterIdLst>
   <p:notesMasterIdLst>
-    <p:notesMasterId r:id="rId13"/>
+    <p:notesMasterId r:id="rId11"/>
   </p:notesMasterIdLst>
   <p:sldIdLst>
     <p:sldId id="256" r:id="rId2"/>
@@ -17,25 +17,23 @@
     <p:sldId id="263" r:id="rId8"/>
     <p:sldId id="265" r:id="rId9"/>
     <p:sldId id="266" r:id="rId10"/>
-    <p:sldId id="269" r:id="rId11"/>
-    <p:sldId id="271" r:id="rId12"/>
   </p:sldIdLst>
   <p:sldSz cx="9144000" cy="5143500" type="screen16x9"/>
   <p:notesSz cx="6858000" cy="9144000"/>
   <p:embeddedFontLst>
     <p:embeddedFont>
-      <p:font typeface="Montserrat" panose="020B0604020202020204" charset="-70"/>
-      <p:regular r:id="rId14"/>
-      <p:bold r:id="rId15"/>
-      <p:italic r:id="rId16"/>
-      <p:boldItalic r:id="rId17"/>
+      <p:font typeface="Montserrat" panose="020B0604020202020204" charset="0"/>
+      <p:regular r:id="rId12"/>
+      <p:bold r:id="rId13"/>
+      <p:italic r:id="rId14"/>
+      <p:boldItalic r:id="rId15"/>
     </p:embeddedFont>
     <p:embeddedFont>
       <p:font typeface="Source Sans Pro" panose="020B0604020202020204" charset="0"/>
-      <p:regular r:id="rId18"/>
-      <p:bold r:id="rId19"/>
-      <p:italic r:id="rId20"/>
-      <p:boldItalic r:id="rId21"/>
+      <p:regular r:id="rId16"/>
+      <p:bold r:id="rId17"/>
+      <p:italic r:id="rId18"/>
+      <p:boldItalic r:id="rId19"/>
     </p:embeddedFont>
   </p:embeddedFontLst>
   <p:defaultTextStyle>
@@ -823,232 +821,6 @@
     <p:extLst>
       <p:ext uri="{BB962C8B-B14F-4D97-AF65-F5344CB8AC3E}">
         <p14:creationId xmlns:p14="http://schemas.microsoft.com/office/powerpoint/2010/main" val="2339974839"/>
-      </p:ext>
-    </p:extLst>
-  </p:cSld>
-  <p:clrMapOvr>
-    <a:masterClrMapping/>
-  </p:clrMapOvr>
-</p:notes>
-</file>
-
-<file path=ppt/notesSlides/notesSlide10.xml><?xml version="1.0" encoding="utf-8"?>
-<p:notes xmlns:a="http://schemas.openxmlformats.org/drawingml/2006/main" xmlns:r="http://schemas.openxmlformats.org/officeDocument/2006/relationships" xmlns:p="http://schemas.openxmlformats.org/presentationml/2006/main" showMasterSp="0" showMasterPhAnim="0">
-  <p:cSld>
-    <p:spTree>
-      <p:nvGrpSpPr>
-        <p:cNvPr id="1" name="Shape 123"/>
-        <p:cNvGrpSpPr/>
-        <p:nvPr/>
-      </p:nvGrpSpPr>
-      <p:grpSpPr>
-        <a:xfrm>
-          <a:off x="0" y="0"/>
-          <a:ext cx="0" cy="0"/>
-          <a:chOff x="0" y="0"/>
-          <a:chExt cx="0" cy="0"/>
-        </a:xfrm>
-      </p:grpSpPr>
-      <p:sp>
-        <p:nvSpPr>
-          <p:cNvPr id="124" name="Shape 124"/>
-          <p:cNvSpPr txBox="1">
-            <a:spLocks noGrp="1"/>
-          </p:cNvSpPr>
-          <p:nvPr>
-            <p:ph type="body" idx="1"/>
-          </p:nvPr>
-        </p:nvSpPr>
-        <p:spPr>
-          <a:xfrm>
-            <a:off x="685800" y="4343400"/>
-            <a:ext cx="5486400" cy="4114800"/>
-          </a:xfrm>
-          <a:prstGeom prst="rect">
-            <a:avLst/>
-          </a:prstGeom>
-          <a:noFill/>
-          <a:ln>
-            <a:noFill/>
-          </a:ln>
-        </p:spPr>
-        <p:txBody>
-          <a:bodyPr spcFirstLastPara="1" wrap="square" lIns="91425" tIns="91425" rIns="91425" bIns="91425" anchor="ctr" anchorCtr="0">
-            <a:noAutofit/>
-          </a:bodyPr>
-          <a:lstStyle/>
-          <a:p>
-            <a:pPr marL="0" lvl="0" indent="0">
-              <a:spcBef>
-                <a:spcPts val="0"/>
-              </a:spcBef>
-              <a:spcAft>
-                <a:spcPts val="0"/>
-              </a:spcAft>
-              <a:buNone/>
-            </a:pPr>
-            <a:endParaRPr dirty="0"/>
-          </a:p>
-        </p:txBody>
-      </p:sp>
-      <p:sp>
-        <p:nvSpPr>
-          <p:cNvPr id="125" name="Shape 125"/>
-          <p:cNvSpPr>
-            <a:spLocks noGrp="1" noRot="1" noChangeAspect="1"/>
-          </p:cNvSpPr>
-          <p:nvPr>
-            <p:ph type="sldImg" idx="2"/>
-          </p:nvPr>
-        </p:nvSpPr>
-        <p:spPr>
-          <a:xfrm>
-            <a:off x="381000" y="685800"/>
-            <a:ext cx="6096000" cy="3429000"/>
-          </a:xfrm>
-          <a:custGeom>
-            <a:avLst/>
-            <a:gdLst/>
-            <a:ahLst/>
-            <a:cxnLst/>
-            <a:rect l="0" t="0" r="0" b="0"/>
-            <a:pathLst>
-              <a:path w="120000" h="120000" extrusionOk="0">
-                <a:moveTo>
-                  <a:pt x="0" y="0"/>
-                </a:moveTo>
-                <a:lnTo>
-                  <a:pt x="120000" y="0"/>
-                </a:lnTo>
-                <a:lnTo>
-                  <a:pt x="120000" y="120000"/>
-                </a:lnTo>
-                <a:lnTo>
-                  <a:pt x="0" y="120000"/>
-                </a:lnTo>
-                <a:close/>
-              </a:path>
-            </a:pathLst>
-          </a:custGeom>
-        </p:spPr>
-      </p:sp>
-    </p:spTree>
-    <p:extLst>
-      <p:ext uri="{BB962C8B-B14F-4D97-AF65-F5344CB8AC3E}">
-        <p14:creationId xmlns:p14="http://schemas.microsoft.com/office/powerpoint/2010/main" val="2316617095"/>
-      </p:ext>
-    </p:extLst>
-  </p:cSld>
-  <p:clrMapOvr>
-    <a:masterClrMapping/>
-  </p:clrMapOvr>
-</p:notes>
-</file>
-
-<file path=ppt/notesSlides/notesSlide11.xml><?xml version="1.0" encoding="utf-8"?>
-<p:notes xmlns:a="http://schemas.openxmlformats.org/drawingml/2006/main" xmlns:r="http://schemas.openxmlformats.org/officeDocument/2006/relationships" xmlns:p="http://schemas.openxmlformats.org/presentationml/2006/main" showMasterSp="0" showMasterPhAnim="0">
-  <p:cSld>
-    <p:spTree>
-      <p:nvGrpSpPr>
-        <p:cNvPr id="1" name="Shape 123"/>
-        <p:cNvGrpSpPr/>
-        <p:nvPr/>
-      </p:nvGrpSpPr>
-      <p:grpSpPr>
-        <a:xfrm>
-          <a:off x="0" y="0"/>
-          <a:ext cx="0" cy="0"/>
-          <a:chOff x="0" y="0"/>
-          <a:chExt cx="0" cy="0"/>
-        </a:xfrm>
-      </p:grpSpPr>
-      <p:sp>
-        <p:nvSpPr>
-          <p:cNvPr id="124" name="Shape 124"/>
-          <p:cNvSpPr txBox="1">
-            <a:spLocks noGrp="1"/>
-          </p:cNvSpPr>
-          <p:nvPr>
-            <p:ph type="body" idx="1"/>
-          </p:nvPr>
-        </p:nvSpPr>
-        <p:spPr>
-          <a:xfrm>
-            <a:off x="685800" y="4343400"/>
-            <a:ext cx="5486400" cy="4114800"/>
-          </a:xfrm>
-          <a:prstGeom prst="rect">
-            <a:avLst/>
-          </a:prstGeom>
-          <a:noFill/>
-          <a:ln>
-            <a:noFill/>
-          </a:ln>
-        </p:spPr>
-        <p:txBody>
-          <a:bodyPr spcFirstLastPara="1" wrap="square" lIns="91425" tIns="91425" rIns="91425" bIns="91425" anchor="ctr" anchorCtr="0">
-            <a:noAutofit/>
-          </a:bodyPr>
-          <a:lstStyle/>
-          <a:p>
-            <a:pPr marL="0" lvl="0" indent="0">
-              <a:spcBef>
-                <a:spcPts val="0"/>
-              </a:spcBef>
-              <a:spcAft>
-                <a:spcPts val="0"/>
-              </a:spcAft>
-              <a:buNone/>
-            </a:pPr>
-            <a:endParaRPr dirty="0"/>
-          </a:p>
-        </p:txBody>
-      </p:sp>
-      <p:sp>
-        <p:nvSpPr>
-          <p:cNvPr id="125" name="Shape 125"/>
-          <p:cNvSpPr>
-            <a:spLocks noGrp="1" noRot="1" noChangeAspect="1"/>
-          </p:cNvSpPr>
-          <p:nvPr>
-            <p:ph type="sldImg" idx="2"/>
-          </p:nvPr>
-        </p:nvSpPr>
-        <p:spPr>
-          <a:xfrm>
-            <a:off x="381000" y="685800"/>
-            <a:ext cx="6096000" cy="3429000"/>
-          </a:xfrm>
-          <a:custGeom>
-            <a:avLst/>
-            <a:gdLst/>
-            <a:ahLst/>
-            <a:cxnLst/>
-            <a:rect l="0" t="0" r="0" b="0"/>
-            <a:pathLst>
-              <a:path w="120000" h="120000" extrusionOk="0">
-                <a:moveTo>
-                  <a:pt x="0" y="0"/>
-                </a:moveTo>
-                <a:lnTo>
-                  <a:pt x="120000" y="0"/>
-                </a:lnTo>
-                <a:lnTo>
-                  <a:pt x="120000" y="120000"/>
-                </a:lnTo>
-                <a:lnTo>
-                  <a:pt x="0" y="120000"/>
-                </a:lnTo>
-                <a:close/>
-              </a:path>
-            </a:pathLst>
-          </a:custGeom>
-        </p:spPr>
-      </p:sp>
-    </p:spTree>
-    <p:extLst>
-      <p:ext uri="{BB962C8B-B14F-4D97-AF65-F5344CB8AC3E}">
-        <p14:creationId xmlns:p14="http://schemas.microsoft.com/office/powerpoint/2010/main" val="2862453923"/>
       </p:ext>
     </p:extLst>
   </p:cSld>
@@ -9536,336 +9308,6 @@
 </p:sld>
 </file>
 
-<file path=ppt/slides/slide10.xml><?xml version="1.0" encoding="utf-8"?>
-<p:sld xmlns:a="http://schemas.openxmlformats.org/drawingml/2006/main" xmlns:r="http://schemas.openxmlformats.org/officeDocument/2006/relationships" xmlns:p="http://schemas.openxmlformats.org/presentationml/2006/main">
-  <p:cSld>
-    <p:spTree>
-      <p:nvGrpSpPr>
-        <p:cNvPr id="1" name="Shape 126"/>
-        <p:cNvGrpSpPr/>
-        <p:nvPr/>
-      </p:nvGrpSpPr>
-      <p:grpSpPr>
-        <a:xfrm>
-          <a:off x="0" y="0"/>
-          <a:ext cx="0" cy="0"/>
-          <a:chOff x="0" y="0"/>
-          <a:chExt cx="0" cy="0"/>
-        </a:xfrm>
-      </p:grpSpPr>
-      <p:sp>
-        <p:nvSpPr>
-          <p:cNvPr id="127" name="Shape 127"/>
-          <p:cNvSpPr txBox="1">
-            <a:spLocks noGrp="1"/>
-          </p:cNvSpPr>
-          <p:nvPr>
-            <p:ph type="title"/>
-          </p:nvPr>
-        </p:nvSpPr>
-        <p:spPr>
-          <a:xfrm>
-            <a:off x="1470990" y="648725"/>
-            <a:ext cx="6187109" cy="671400"/>
-          </a:xfrm>
-          <a:prstGeom prst="rect">
-            <a:avLst/>
-          </a:prstGeom>
-          <a:noFill/>
-          <a:ln>
-            <a:noFill/>
-          </a:ln>
-        </p:spPr>
-        <p:txBody>
-          <a:bodyPr spcFirstLastPara="1" wrap="square" lIns="91425" tIns="91425" rIns="91425" bIns="91425" anchor="b" anchorCtr="0">
-            <a:noAutofit/>
-          </a:bodyPr>
-          <a:lstStyle/>
-          <a:p>
-            <a:pPr marL="0" marR="0" lvl="0" indent="0" algn="ctr" rtl="0">
-              <a:lnSpc>
-                <a:spcPct val="100000"/>
-              </a:lnSpc>
-              <a:spcBef>
-                <a:spcPts val="0"/>
-              </a:spcBef>
-              <a:spcAft>
-                <a:spcPts val="0"/>
-              </a:spcAft>
-              <a:buClr>
-                <a:srgbClr val="FFFFFF"/>
-              </a:buClr>
-              <a:buSzPts val="2400"/>
-              <a:buFont typeface="Montserrat"/>
-              <a:buNone/>
-            </a:pPr>
-            <a:r>
-              <a:rPr lang="lt-LT" sz="2400" dirty="0"/>
-              <a:t>Pirma programa</a:t>
-            </a:r>
-            <a:endParaRPr sz="1400" b="1" i="0" u="none" strike="noStrike" cap="none" dirty="0">
-              <a:solidFill>
-                <a:srgbClr val="FFFFFF"/>
-              </a:solidFill>
-              <a:latin typeface="Montserrat"/>
-              <a:ea typeface="Montserrat"/>
-              <a:cs typeface="Montserrat"/>
-              <a:sym typeface="Montserrat"/>
-            </a:endParaRPr>
-          </a:p>
-        </p:txBody>
-      </p:sp>
-      <p:sp>
-        <p:nvSpPr>
-          <p:cNvPr id="128" name="Shape 128"/>
-          <p:cNvSpPr txBox="1">
-            <a:spLocks noGrp="1"/>
-          </p:cNvSpPr>
-          <p:nvPr>
-            <p:ph type="body" idx="1"/>
-          </p:nvPr>
-        </p:nvSpPr>
-        <p:spPr>
-          <a:xfrm>
-            <a:off x="1470990" y="1450325"/>
-            <a:ext cx="6497960" cy="2880600"/>
-          </a:xfrm>
-          <a:prstGeom prst="rect">
-            <a:avLst/>
-          </a:prstGeom>
-          <a:noFill/>
-          <a:ln>
-            <a:noFill/>
-          </a:ln>
-        </p:spPr>
-        <p:txBody>
-          <a:bodyPr spcFirstLastPara="1" wrap="square" lIns="91425" tIns="91425" rIns="91425" bIns="91425" anchor="t" anchorCtr="0">
-            <a:noAutofit/>
-          </a:bodyPr>
-          <a:lstStyle/>
-          <a:p>
-            <a:pPr marL="800100" indent="0">
-              <a:buNone/>
-            </a:pPr>
-            <a:r>
-              <a:rPr lang="lt-LT" dirty="0">
-                <a:solidFill>
-                  <a:srgbClr val="00B0F0"/>
-                </a:solidFill>
-              </a:rPr>
-              <a:t>Parašykite „</a:t>
-            </a:r>
-            <a:r>
-              <a:rPr lang="lt-LT" dirty="0" err="1">
-                <a:solidFill>
-                  <a:srgbClr val="00B0F0"/>
-                </a:solidFill>
-              </a:rPr>
-              <a:t>Hello</a:t>
-            </a:r>
-            <a:r>
-              <a:rPr lang="lt-LT" dirty="0">
-                <a:solidFill>
-                  <a:srgbClr val="00B0F0"/>
-                </a:solidFill>
-              </a:rPr>
-              <a:t> </a:t>
-            </a:r>
-            <a:r>
-              <a:rPr lang="lt-LT" dirty="0" err="1">
-                <a:solidFill>
-                  <a:srgbClr val="00B0F0"/>
-                </a:solidFill>
-              </a:rPr>
-              <a:t>World</a:t>
-            </a:r>
-            <a:r>
-              <a:rPr lang="lt-LT" dirty="0">
-                <a:solidFill>
-                  <a:srgbClr val="00B0F0"/>
-                </a:solidFill>
-              </a:rPr>
-              <a:t>!“ programą ir įsitikinkite, kad ji veikia, paleisdami ją iš komandinės eilutės. </a:t>
-            </a:r>
-            <a:endParaRPr lang="lt-LT" b="0" i="0" u="none" strike="noStrike" cap="none" dirty="0">
-              <a:solidFill>
-                <a:srgbClr val="00B0F0"/>
-              </a:solidFill>
-              <a:latin typeface="Source Sans Pro"/>
-              <a:ea typeface="Source Sans Pro"/>
-              <a:cs typeface="Source Sans Pro"/>
-              <a:sym typeface="Source Sans Pro"/>
-              <a:hlinkClick r:id="rId3"/>
-            </a:endParaRPr>
-          </a:p>
-        </p:txBody>
-      </p:sp>
-    </p:spTree>
-    <p:extLst>
-      <p:ext uri="{BB962C8B-B14F-4D97-AF65-F5344CB8AC3E}">
-        <p14:creationId xmlns:p14="http://schemas.microsoft.com/office/powerpoint/2010/main" val="467617197"/>
-      </p:ext>
-    </p:extLst>
-  </p:cSld>
-  <p:clrMapOvr>
-    <a:masterClrMapping/>
-  </p:clrMapOvr>
-</p:sld>
-</file>
-
-<file path=ppt/slides/slide11.xml><?xml version="1.0" encoding="utf-8"?>
-<p:sld xmlns:a="http://schemas.openxmlformats.org/drawingml/2006/main" xmlns:r="http://schemas.openxmlformats.org/officeDocument/2006/relationships" xmlns:p="http://schemas.openxmlformats.org/presentationml/2006/main">
-  <p:cSld>
-    <p:spTree>
-      <p:nvGrpSpPr>
-        <p:cNvPr id="1" name="Shape 126"/>
-        <p:cNvGrpSpPr/>
-        <p:nvPr/>
-      </p:nvGrpSpPr>
-      <p:grpSpPr>
-        <a:xfrm>
-          <a:off x="0" y="0"/>
-          <a:ext cx="0" cy="0"/>
-          <a:chOff x="0" y="0"/>
-          <a:chExt cx="0" cy="0"/>
-        </a:xfrm>
-      </p:grpSpPr>
-      <p:sp>
-        <p:nvSpPr>
-          <p:cNvPr id="127" name="Shape 127"/>
-          <p:cNvSpPr txBox="1">
-            <a:spLocks noGrp="1"/>
-          </p:cNvSpPr>
-          <p:nvPr>
-            <p:ph type="title"/>
-          </p:nvPr>
-        </p:nvSpPr>
-        <p:spPr>
-          <a:xfrm>
-            <a:off x="1470990" y="648725"/>
-            <a:ext cx="6187109" cy="671400"/>
-          </a:xfrm>
-          <a:prstGeom prst="rect">
-            <a:avLst/>
-          </a:prstGeom>
-          <a:noFill/>
-          <a:ln>
-            <a:noFill/>
-          </a:ln>
-        </p:spPr>
-        <p:txBody>
-          <a:bodyPr spcFirstLastPara="1" wrap="square" lIns="91425" tIns="91425" rIns="91425" bIns="91425" anchor="b" anchorCtr="0">
-            <a:noAutofit/>
-          </a:bodyPr>
-          <a:lstStyle/>
-          <a:p>
-            <a:pPr marL="0" marR="0" lvl="0" indent="0" algn="ctr" rtl="0">
-              <a:lnSpc>
-                <a:spcPct val="100000"/>
-              </a:lnSpc>
-              <a:spcBef>
-                <a:spcPts val="0"/>
-              </a:spcBef>
-              <a:spcAft>
-                <a:spcPts val="0"/>
-              </a:spcAft>
-              <a:buClr>
-                <a:srgbClr val="FFFFFF"/>
-              </a:buClr>
-              <a:buSzPts val="2400"/>
-              <a:buFont typeface="Montserrat"/>
-              <a:buNone/>
-            </a:pPr>
-            <a:r>
-              <a:rPr lang="lt-LT" sz="2400" dirty="0"/>
-              <a:t>Užduotis</a:t>
-            </a:r>
-            <a:endParaRPr sz="1400" b="1" i="0" u="none" strike="noStrike" cap="none" dirty="0">
-              <a:solidFill>
-                <a:srgbClr val="FFFFFF"/>
-              </a:solidFill>
-              <a:latin typeface="Montserrat"/>
-              <a:ea typeface="Montserrat"/>
-              <a:cs typeface="Montserrat"/>
-              <a:sym typeface="Montserrat"/>
-            </a:endParaRPr>
-          </a:p>
-        </p:txBody>
-      </p:sp>
-      <p:sp>
-        <p:nvSpPr>
-          <p:cNvPr id="128" name="Shape 128"/>
-          <p:cNvSpPr txBox="1">
-            <a:spLocks noGrp="1"/>
-          </p:cNvSpPr>
-          <p:nvPr>
-            <p:ph type="body" idx="1"/>
-          </p:nvPr>
-        </p:nvSpPr>
-        <p:spPr>
-          <a:xfrm>
-            <a:off x="1470990" y="1450325"/>
-            <a:ext cx="6497960" cy="2880600"/>
-          </a:xfrm>
-          <a:prstGeom prst="rect">
-            <a:avLst/>
-          </a:prstGeom>
-          <a:noFill/>
-          <a:ln>
-            <a:noFill/>
-          </a:ln>
-        </p:spPr>
-        <p:txBody>
-          <a:bodyPr spcFirstLastPara="1" wrap="square" lIns="91425" tIns="91425" rIns="91425" bIns="91425" anchor="t" anchorCtr="0">
-            <a:noAutofit/>
-          </a:bodyPr>
-          <a:lstStyle/>
-          <a:p>
-            <a:pPr marL="800100" indent="0">
-              <a:buNone/>
-            </a:pPr>
-            <a:r>
-              <a:rPr lang="lt-LT" dirty="0" err="1">
-                <a:solidFill>
-                  <a:srgbClr val="00B0F0"/>
-                </a:solidFill>
-              </a:rPr>
-              <a:t>Todo</a:t>
-            </a:r>
-            <a:r>
-              <a:rPr lang="lt-LT" dirty="0">
-                <a:solidFill>
-                  <a:srgbClr val="00B0F0"/>
-                </a:solidFill>
-              </a:rPr>
-              <a:t>: Pridėti pirmos paskaitos užduotis</a:t>
-            </a:r>
-            <a:endParaRPr lang="lt-LT" b="0" i="0" u="none" strike="noStrike" cap="none" dirty="0">
-              <a:solidFill>
-                <a:srgbClr val="00B0F0"/>
-              </a:solidFill>
-              <a:latin typeface="Source Sans Pro"/>
-              <a:ea typeface="Source Sans Pro"/>
-              <a:cs typeface="Source Sans Pro"/>
-              <a:sym typeface="Source Sans Pro"/>
-              <a:hlinkClick r:id="rId3"/>
-            </a:endParaRPr>
-          </a:p>
-        </p:txBody>
-      </p:sp>
-    </p:spTree>
-    <p:extLst>
-      <p:ext uri="{BB962C8B-B14F-4D97-AF65-F5344CB8AC3E}">
-        <p14:creationId xmlns:p14="http://schemas.microsoft.com/office/powerpoint/2010/main" val="2827023445"/>
-      </p:ext>
-    </p:extLst>
-  </p:cSld>
-  <p:clrMapOvr>
-    <a:masterClrMapping/>
-  </p:clrMapOvr>
-</p:sld>
-</file>
-
 <file path=ppt/slides/slide2.xml><?xml version="1.0" encoding="utf-8"?>
 <p:sld xmlns:a="http://schemas.openxmlformats.org/drawingml/2006/main" xmlns:r="http://schemas.openxmlformats.org/officeDocument/2006/relationships" xmlns:p="http://schemas.openxmlformats.org/presentationml/2006/main">
   <p:cSld>
@@ -11278,7 +10720,7 @@
                   <a:srgbClr val="00B0F0"/>
                 </a:solidFill>
               </a:rPr>
-              <a:t>https://github.com/tadus21/ca-java-lessons</a:t>
+              <a:t>https://github.com/tadus21/code-academy-java-kursai</a:t>
             </a:r>
             <a:endParaRPr b="0" i="0" u="none" strike="noStrike" cap="none" dirty="0">
               <a:solidFill>
